--- a/CSCI-111/week-11/week-11-lecture.pptx
+++ b/CSCI-111/week-11/week-11-lecture.pptx
@@ -20,6 +20,7 @@
     <p:sldId id="265" r:id="rId15"/>
     <p:sldId id="266" r:id="rId16"/>
     <p:sldId id="267" r:id="rId17"/>
+    <p:sldId id="268" r:id="rId18"/>
   </p:sldIdLst>
   <p:sldSz cy="5143500" cx="9144000"/>
   <p:notesSz cx="6858000" cy="9144000"/>
@@ -801,7 +802,7 @@
   <p:cSld>
     <p:spTree>
       <p:nvGrpSpPr>
-        <p:cNvPr id="109" name="Shape 109"/>
+        <p:cNvPr id="110" name="Shape 110"/>
         <p:cNvGrpSpPr/>
         <p:nvPr/>
       </p:nvGrpSpPr>
@@ -815,7 +816,7 @@
       </p:grpSpPr>
       <p:sp>
         <p:nvSpPr>
-          <p:cNvPr id="110" name="Google Shape;110;g30a6bbba716_0_61:notes"/>
+          <p:cNvPr id="111" name="Google Shape;111;g30a6bbba716_0_61:notes"/>
           <p:cNvSpPr/>
           <p:nvPr>
             <p:ph idx="2" type="sldImg"/>
@@ -850,7 +851,7 @@
       </p:sp>
       <p:sp>
         <p:nvSpPr>
-          <p:cNvPr id="111" name="Google Shape;111;g30a6bbba716_0_61:notes"/>
+          <p:cNvPr id="112" name="Google Shape;112;g30a6bbba716_0_61:notes"/>
           <p:cNvSpPr txBox="1"/>
           <p:nvPr>
             <p:ph idx="1" type="body"/>
@@ -900,7 +901,7 @@
   <p:cSld>
     <p:spTree>
       <p:nvGrpSpPr>
-        <p:cNvPr id="117" name="Shape 117"/>
+        <p:cNvPr id="118" name="Shape 118"/>
         <p:cNvGrpSpPr/>
         <p:nvPr/>
       </p:nvGrpSpPr>
@@ -914,7 +915,7 @@
       </p:grpSpPr>
       <p:sp>
         <p:nvSpPr>
-          <p:cNvPr id="118" name="Google Shape;118;g30a6bbba716_0_67:notes"/>
+          <p:cNvPr id="119" name="Google Shape;119;g30a6bbba716_0_67:notes"/>
           <p:cNvSpPr/>
           <p:nvPr>
             <p:ph idx="2" type="sldImg"/>
@@ -949,7 +950,7 @@
       </p:sp>
       <p:sp>
         <p:nvSpPr>
-          <p:cNvPr id="119" name="Google Shape;119;g30a6bbba716_0_67:notes"/>
+          <p:cNvPr id="120" name="Google Shape;120;g30a6bbba716_0_67:notes"/>
           <p:cNvSpPr txBox="1"/>
           <p:nvPr>
             <p:ph idx="1" type="body"/>
@@ -999,7 +1000,7 @@
   <p:cSld>
     <p:spTree>
       <p:nvGrpSpPr>
-        <p:cNvPr id="123" name="Shape 123"/>
+        <p:cNvPr id="124" name="Shape 124"/>
         <p:cNvGrpSpPr/>
         <p:nvPr/>
       </p:nvGrpSpPr>
@@ -1013,7 +1014,7 @@
       </p:grpSpPr>
       <p:sp>
         <p:nvSpPr>
-          <p:cNvPr id="124" name="Google Shape;124;g308b83b05ff_0_148:notes"/>
+          <p:cNvPr id="125" name="Google Shape;125;g308b83b05ff_0_148:notes"/>
           <p:cNvSpPr/>
           <p:nvPr>
             <p:ph idx="2" type="sldImg"/>
@@ -1048,7 +1049,7 @@
       </p:sp>
       <p:sp>
         <p:nvSpPr>
-          <p:cNvPr id="125" name="Google Shape;125;g308b83b05ff_0_148:notes"/>
+          <p:cNvPr id="126" name="Google Shape;126;g308b83b05ff_0_148:notes"/>
           <p:cNvSpPr txBox="1"/>
           <p:nvPr>
             <p:ph idx="1" type="body"/>
@@ -1093,12 +1094,12 @@
 </p:notes>
 </file>
 
-<file path=ppt/notesSlides/notesSlide2.xml><?xml version="1.0" encoding="utf-8"?>
+<file path=ppt/notesSlides/notesSlide13.xml><?xml version="1.0" encoding="utf-8"?>
 <p:notes xmlns:a="http://schemas.openxmlformats.org/drawingml/2006/main" xmlns:r="http://schemas.openxmlformats.org/officeDocument/2006/relationships" xmlns:mc="http://schemas.openxmlformats.org/markup-compatibility/2006" xmlns:mv="urn:schemas-microsoft-com:mac:vml" xmlns:p="http://schemas.openxmlformats.org/presentationml/2006/main" xmlns:c="http://schemas.openxmlformats.org/drawingml/2006/chart" xmlns:dgm="http://schemas.openxmlformats.org/drawingml/2006/diagram" xmlns:o="urn:schemas-microsoft-com:office:office" xmlns:v="urn:schemas-microsoft-com:vml" xmlns:pvml="urn:schemas-microsoft-com:office:powerpoint" xmlns:com="http://schemas.openxmlformats.org/drawingml/2006/compatibility" xmlns:p14="http://schemas.microsoft.com/office/powerpoint/2010/main" xmlns:p15="http://schemas.microsoft.com/office/powerpoint/2012/main" xmlns:ahyp="http://schemas.microsoft.com/office/drawing/2018/hyperlinkcolor" showMasterPhAnim="0" showMasterSp="0">
   <p:cSld>
     <p:spTree>
       <p:nvGrpSpPr>
-        <p:cNvPr id="56" name="Shape 56"/>
+        <p:cNvPr id="130" name="Shape 130"/>
         <p:cNvGrpSpPr/>
         <p:nvPr/>
       </p:nvGrpSpPr>
@@ -1112,7 +1113,7 @@
       </p:grpSpPr>
       <p:sp>
         <p:nvSpPr>
-          <p:cNvPr id="57" name="Google Shape;57;g2d3e9e281fa_0_0:notes"/>
+          <p:cNvPr id="131" name="Google Shape;131;g30ce9c1bc6d_0_0:notes"/>
           <p:cNvSpPr/>
           <p:nvPr>
             <p:ph idx="2" type="sldImg"/>
@@ -1147,7 +1148,7 @@
       </p:sp>
       <p:sp>
         <p:nvSpPr>
-          <p:cNvPr id="58" name="Google Shape;58;g2d3e9e281fa_0_0:notes"/>
+          <p:cNvPr id="132" name="Google Shape;132;g30ce9c1bc6d_0_0:notes"/>
           <p:cNvSpPr txBox="1"/>
           <p:nvPr>
             <p:ph idx="1" type="body"/>
@@ -1192,12 +1193,12 @@
 </p:notes>
 </file>
 
-<file path=ppt/notesSlides/notesSlide3.xml><?xml version="1.0" encoding="utf-8"?>
+<file path=ppt/notesSlides/notesSlide2.xml><?xml version="1.0" encoding="utf-8"?>
 <p:notes xmlns:a="http://schemas.openxmlformats.org/drawingml/2006/main" xmlns:r="http://schemas.openxmlformats.org/officeDocument/2006/relationships" xmlns:mc="http://schemas.openxmlformats.org/markup-compatibility/2006" xmlns:mv="urn:schemas-microsoft-com:mac:vml" xmlns:p="http://schemas.openxmlformats.org/presentationml/2006/main" xmlns:c="http://schemas.openxmlformats.org/drawingml/2006/chart" xmlns:dgm="http://schemas.openxmlformats.org/drawingml/2006/diagram" xmlns:o="urn:schemas-microsoft-com:office:office" xmlns:v="urn:schemas-microsoft-com:vml" xmlns:pvml="urn:schemas-microsoft-com:office:powerpoint" xmlns:com="http://schemas.openxmlformats.org/drawingml/2006/compatibility" xmlns:p14="http://schemas.microsoft.com/office/powerpoint/2010/main" xmlns:p15="http://schemas.microsoft.com/office/powerpoint/2012/main" xmlns:ahyp="http://schemas.microsoft.com/office/drawing/2018/hyperlinkcolor" showMasterPhAnim="0" showMasterSp="0">
   <p:cSld>
     <p:spTree>
       <p:nvGrpSpPr>
-        <p:cNvPr id="62" name="Shape 62"/>
+        <p:cNvPr id="57" name="Shape 57"/>
         <p:cNvGrpSpPr/>
         <p:nvPr/>
       </p:nvGrpSpPr>
@@ -1211,7 +1212,7 @@
       </p:grpSpPr>
       <p:sp>
         <p:nvSpPr>
-          <p:cNvPr id="63" name="Google Shape;63;g30a6bbba716_0_4:notes"/>
+          <p:cNvPr id="58" name="Google Shape;58;g2d3e9e281fa_0_0:notes"/>
           <p:cNvSpPr/>
           <p:nvPr>
             <p:ph idx="2" type="sldImg"/>
@@ -1246,7 +1247,7 @@
       </p:sp>
       <p:sp>
         <p:nvSpPr>
-          <p:cNvPr id="64" name="Google Shape;64;g30a6bbba716_0_4:notes"/>
+          <p:cNvPr id="59" name="Google Shape;59;g2d3e9e281fa_0_0:notes"/>
           <p:cNvSpPr txBox="1"/>
           <p:nvPr>
             <p:ph idx="1" type="body"/>
@@ -1291,12 +1292,12 @@
 </p:notes>
 </file>
 
-<file path=ppt/notesSlides/notesSlide4.xml><?xml version="1.0" encoding="utf-8"?>
+<file path=ppt/notesSlides/notesSlide3.xml><?xml version="1.0" encoding="utf-8"?>
 <p:notes xmlns:a="http://schemas.openxmlformats.org/drawingml/2006/main" xmlns:r="http://schemas.openxmlformats.org/officeDocument/2006/relationships" xmlns:mc="http://schemas.openxmlformats.org/markup-compatibility/2006" xmlns:mv="urn:schemas-microsoft-com:mac:vml" xmlns:p="http://schemas.openxmlformats.org/presentationml/2006/main" xmlns:c="http://schemas.openxmlformats.org/drawingml/2006/chart" xmlns:dgm="http://schemas.openxmlformats.org/drawingml/2006/diagram" xmlns:o="urn:schemas-microsoft-com:office:office" xmlns:v="urn:schemas-microsoft-com:vml" xmlns:pvml="urn:schemas-microsoft-com:office:powerpoint" xmlns:com="http://schemas.openxmlformats.org/drawingml/2006/compatibility" xmlns:p14="http://schemas.microsoft.com/office/powerpoint/2010/main" xmlns:p15="http://schemas.microsoft.com/office/powerpoint/2012/main" xmlns:ahyp="http://schemas.microsoft.com/office/drawing/2018/hyperlinkcolor" showMasterPhAnim="0" showMasterSp="0">
   <p:cSld>
     <p:spTree>
       <p:nvGrpSpPr>
-        <p:cNvPr id="68" name="Shape 68"/>
+        <p:cNvPr id="63" name="Shape 63"/>
         <p:cNvGrpSpPr/>
         <p:nvPr/>
       </p:nvGrpSpPr>
@@ -1310,7 +1311,7 @@
       </p:grpSpPr>
       <p:sp>
         <p:nvSpPr>
-          <p:cNvPr id="69" name="Google Shape;69;g30a6bbba716_0_21:notes"/>
+          <p:cNvPr id="64" name="Google Shape;64;g30a6bbba716_0_4:notes"/>
           <p:cNvSpPr/>
           <p:nvPr>
             <p:ph idx="2" type="sldImg"/>
@@ -1345,7 +1346,7 @@
       </p:sp>
       <p:sp>
         <p:nvSpPr>
-          <p:cNvPr id="70" name="Google Shape;70;g30a6bbba716_0_21:notes"/>
+          <p:cNvPr id="65" name="Google Shape;65;g30a6bbba716_0_4:notes"/>
           <p:cNvSpPr txBox="1"/>
           <p:nvPr>
             <p:ph idx="1" type="body"/>
@@ -1390,12 +1391,12 @@
 </p:notes>
 </file>
 
-<file path=ppt/notesSlides/notesSlide5.xml><?xml version="1.0" encoding="utf-8"?>
+<file path=ppt/notesSlides/notesSlide4.xml><?xml version="1.0" encoding="utf-8"?>
 <p:notes xmlns:a="http://schemas.openxmlformats.org/drawingml/2006/main" xmlns:r="http://schemas.openxmlformats.org/officeDocument/2006/relationships" xmlns:mc="http://schemas.openxmlformats.org/markup-compatibility/2006" xmlns:mv="urn:schemas-microsoft-com:mac:vml" xmlns:p="http://schemas.openxmlformats.org/presentationml/2006/main" xmlns:c="http://schemas.openxmlformats.org/drawingml/2006/chart" xmlns:dgm="http://schemas.openxmlformats.org/drawingml/2006/diagram" xmlns:o="urn:schemas-microsoft-com:office:office" xmlns:v="urn:schemas-microsoft-com:vml" xmlns:pvml="urn:schemas-microsoft-com:office:powerpoint" xmlns:com="http://schemas.openxmlformats.org/drawingml/2006/compatibility" xmlns:p14="http://schemas.microsoft.com/office/powerpoint/2010/main" xmlns:p15="http://schemas.microsoft.com/office/powerpoint/2012/main" xmlns:ahyp="http://schemas.microsoft.com/office/drawing/2018/hyperlinkcolor" showMasterPhAnim="0" showMasterSp="0">
   <p:cSld>
     <p:spTree>
       <p:nvGrpSpPr>
-        <p:cNvPr id="74" name="Shape 74"/>
+        <p:cNvPr id="69" name="Shape 69"/>
         <p:cNvGrpSpPr/>
         <p:nvPr/>
       </p:nvGrpSpPr>
@@ -1409,7 +1410,7 @@
       </p:grpSpPr>
       <p:sp>
         <p:nvSpPr>
-          <p:cNvPr id="75" name="Google Shape;75;g30a6bbba716_0_32:notes"/>
+          <p:cNvPr id="70" name="Google Shape;70;g30a6bbba716_0_21:notes"/>
           <p:cNvSpPr/>
           <p:nvPr>
             <p:ph idx="2" type="sldImg"/>
@@ -1444,7 +1445,7 @@
       </p:sp>
       <p:sp>
         <p:nvSpPr>
-          <p:cNvPr id="76" name="Google Shape;76;g30a6bbba716_0_32:notes"/>
+          <p:cNvPr id="71" name="Google Shape;71;g30a6bbba716_0_21:notes"/>
           <p:cNvSpPr txBox="1"/>
           <p:nvPr>
             <p:ph idx="1" type="body"/>
@@ -1489,12 +1490,12 @@
 </p:notes>
 </file>
 
-<file path=ppt/notesSlides/notesSlide6.xml><?xml version="1.0" encoding="utf-8"?>
+<file path=ppt/notesSlides/notesSlide5.xml><?xml version="1.0" encoding="utf-8"?>
 <p:notes xmlns:a="http://schemas.openxmlformats.org/drawingml/2006/main" xmlns:r="http://schemas.openxmlformats.org/officeDocument/2006/relationships" xmlns:mc="http://schemas.openxmlformats.org/markup-compatibility/2006" xmlns:mv="urn:schemas-microsoft-com:mac:vml" xmlns:p="http://schemas.openxmlformats.org/presentationml/2006/main" xmlns:c="http://schemas.openxmlformats.org/drawingml/2006/chart" xmlns:dgm="http://schemas.openxmlformats.org/drawingml/2006/diagram" xmlns:o="urn:schemas-microsoft-com:office:office" xmlns:v="urn:schemas-microsoft-com:vml" xmlns:pvml="urn:schemas-microsoft-com:office:powerpoint" xmlns:com="http://schemas.openxmlformats.org/drawingml/2006/compatibility" xmlns:p14="http://schemas.microsoft.com/office/powerpoint/2010/main" xmlns:p15="http://schemas.microsoft.com/office/powerpoint/2012/main" xmlns:ahyp="http://schemas.microsoft.com/office/drawing/2018/hyperlinkcolor" showMasterPhAnim="0" showMasterSp="0">
   <p:cSld>
     <p:spTree>
       <p:nvGrpSpPr>
-        <p:cNvPr id="81" name="Shape 81"/>
+        <p:cNvPr id="75" name="Shape 75"/>
         <p:cNvGrpSpPr/>
         <p:nvPr/>
       </p:nvGrpSpPr>
@@ -1508,7 +1509,7 @@
       </p:grpSpPr>
       <p:sp>
         <p:nvSpPr>
-          <p:cNvPr id="82" name="Google Shape;82;g30a6bbba716_0_37:notes"/>
+          <p:cNvPr id="76" name="Google Shape;76;g30a6bbba716_0_32:notes"/>
           <p:cNvSpPr/>
           <p:nvPr>
             <p:ph idx="2" type="sldImg"/>
@@ -1543,7 +1544,7 @@
       </p:sp>
       <p:sp>
         <p:nvSpPr>
-          <p:cNvPr id="83" name="Google Shape;83;g30a6bbba716_0_37:notes"/>
+          <p:cNvPr id="77" name="Google Shape;77;g30a6bbba716_0_32:notes"/>
           <p:cNvSpPr txBox="1"/>
           <p:nvPr>
             <p:ph idx="1" type="body"/>
@@ -1588,12 +1589,12 @@
 </p:notes>
 </file>
 
-<file path=ppt/notesSlides/notesSlide7.xml><?xml version="1.0" encoding="utf-8"?>
+<file path=ppt/notesSlides/notesSlide6.xml><?xml version="1.0" encoding="utf-8"?>
 <p:notes xmlns:a="http://schemas.openxmlformats.org/drawingml/2006/main" xmlns:r="http://schemas.openxmlformats.org/officeDocument/2006/relationships" xmlns:mc="http://schemas.openxmlformats.org/markup-compatibility/2006" xmlns:mv="urn:schemas-microsoft-com:mac:vml" xmlns:p="http://schemas.openxmlformats.org/presentationml/2006/main" xmlns:c="http://schemas.openxmlformats.org/drawingml/2006/chart" xmlns:dgm="http://schemas.openxmlformats.org/drawingml/2006/diagram" xmlns:o="urn:schemas-microsoft-com:office:office" xmlns:v="urn:schemas-microsoft-com:vml" xmlns:pvml="urn:schemas-microsoft-com:office:powerpoint" xmlns:com="http://schemas.openxmlformats.org/drawingml/2006/compatibility" xmlns:p14="http://schemas.microsoft.com/office/powerpoint/2010/main" xmlns:p15="http://schemas.microsoft.com/office/powerpoint/2012/main" xmlns:ahyp="http://schemas.microsoft.com/office/drawing/2018/hyperlinkcolor" showMasterPhAnim="0" showMasterSp="0">
   <p:cSld>
     <p:spTree>
       <p:nvGrpSpPr>
-        <p:cNvPr id="88" name="Shape 88"/>
+        <p:cNvPr id="82" name="Shape 82"/>
         <p:cNvGrpSpPr/>
         <p:nvPr/>
       </p:nvGrpSpPr>
@@ -1607,7 +1608,7 @@
       </p:grpSpPr>
       <p:sp>
         <p:nvSpPr>
-          <p:cNvPr id="89" name="Google Shape;89;g30a6bbba716_0_43:notes"/>
+          <p:cNvPr id="83" name="Google Shape;83;g30a6bbba716_0_37:notes"/>
           <p:cNvSpPr/>
           <p:nvPr>
             <p:ph idx="2" type="sldImg"/>
@@ -1642,7 +1643,7 @@
       </p:sp>
       <p:sp>
         <p:nvSpPr>
-          <p:cNvPr id="90" name="Google Shape;90;g30a6bbba716_0_43:notes"/>
+          <p:cNvPr id="84" name="Google Shape;84;g30a6bbba716_0_37:notes"/>
           <p:cNvSpPr txBox="1"/>
           <p:nvPr>
             <p:ph idx="1" type="body"/>
@@ -1687,12 +1688,12 @@
 </p:notes>
 </file>
 
-<file path=ppt/notesSlides/notesSlide8.xml><?xml version="1.0" encoding="utf-8"?>
+<file path=ppt/notesSlides/notesSlide7.xml><?xml version="1.0" encoding="utf-8"?>
 <p:notes xmlns:a="http://schemas.openxmlformats.org/drawingml/2006/main" xmlns:r="http://schemas.openxmlformats.org/officeDocument/2006/relationships" xmlns:mc="http://schemas.openxmlformats.org/markup-compatibility/2006" xmlns:mv="urn:schemas-microsoft-com:mac:vml" xmlns:p="http://schemas.openxmlformats.org/presentationml/2006/main" xmlns:c="http://schemas.openxmlformats.org/drawingml/2006/chart" xmlns:dgm="http://schemas.openxmlformats.org/drawingml/2006/diagram" xmlns:o="urn:schemas-microsoft-com:office:office" xmlns:v="urn:schemas-microsoft-com:vml" xmlns:pvml="urn:schemas-microsoft-com:office:powerpoint" xmlns:com="http://schemas.openxmlformats.org/drawingml/2006/compatibility" xmlns:p14="http://schemas.microsoft.com/office/powerpoint/2010/main" xmlns:p15="http://schemas.microsoft.com/office/powerpoint/2012/main" xmlns:ahyp="http://schemas.microsoft.com/office/drawing/2018/hyperlinkcolor" showMasterPhAnim="0" showMasterSp="0">
   <p:cSld>
     <p:spTree>
       <p:nvGrpSpPr>
-        <p:cNvPr id="94" name="Shape 94"/>
+        <p:cNvPr id="89" name="Shape 89"/>
         <p:cNvGrpSpPr/>
         <p:nvPr/>
       </p:nvGrpSpPr>
@@ -1706,7 +1707,7 @@
       </p:grpSpPr>
       <p:sp>
         <p:nvSpPr>
-          <p:cNvPr id="95" name="Google Shape;95;g30a6bbba716_0_49:notes"/>
+          <p:cNvPr id="90" name="Google Shape;90;g30a6bbba716_0_43:notes"/>
           <p:cNvSpPr/>
           <p:nvPr>
             <p:ph idx="2" type="sldImg"/>
@@ -1741,7 +1742,7 @@
       </p:sp>
       <p:sp>
         <p:nvSpPr>
-          <p:cNvPr id="96" name="Google Shape;96;g30a6bbba716_0_49:notes"/>
+          <p:cNvPr id="91" name="Google Shape;91;g30a6bbba716_0_43:notes"/>
           <p:cNvSpPr txBox="1"/>
           <p:nvPr>
             <p:ph idx="1" type="body"/>
@@ -1786,12 +1787,12 @@
 </p:notes>
 </file>
 
-<file path=ppt/notesSlides/notesSlide9.xml><?xml version="1.0" encoding="utf-8"?>
+<file path=ppt/notesSlides/notesSlide8.xml><?xml version="1.0" encoding="utf-8"?>
 <p:notes xmlns:a="http://schemas.openxmlformats.org/drawingml/2006/main" xmlns:r="http://schemas.openxmlformats.org/officeDocument/2006/relationships" xmlns:mc="http://schemas.openxmlformats.org/markup-compatibility/2006" xmlns:mv="urn:schemas-microsoft-com:mac:vml" xmlns:p="http://schemas.openxmlformats.org/presentationml/2006/main" xmlns:c="http://schemas.openxmlformats.org/drawingml/2006/chart" xmlns:dgm="http://schemas.openxmlformats.org/drawingml/2006/diagram" xmlns:o="urn:schemas-microsoft-com:office:office" xmlns:v="urn:schemas-microsoft-com:vml" xmlns:pvml="urn:schemas-microsoft-com:office:powerpoint" xmlns:com="http://schemas.openxmlformats.org/drawingml/2006/compatibility" xmlns:p14="http://schemas.microsoft.com/office/powerpoint/2010/main" xmlns:p15="http://schemas.microsoft.com/office/powerpoint/2012/main" xmlns:ahyp="http://schemas.microsoft.com/office/drawing/2018/hyperlinkcolor" showMasterPhAnim="0" showMasterSp="0">
   <p:cSld>
     <p:spTree>
       <p:nvGrpSpPr>
-        <p:cNvPr id="103" name="Shape 103"/>
+        <p:cNvPr id="95" name="Shape 95"/>
         <p:cNvGrpSpPr/>
         <p:nvPr/>
       </p:nvGrpSpPr>
@@ -1805,7 +1806,7 @@
       </p:grpSpPr>
       <p:sp>
         <p:nvSpPr>
-          <p:cNvPr id="104" name="Google Shape;104;g30a6bbba716_0_55:notes"/>
+          <p:cNvPr id="96" name="Google Shape;96;g30a6bbba716_0_49:notes"/>
           <p:cNvSpPr/>
           <p:nvPr>
             <p:ph idx="2" type="sldImg"/>
@@ -1840,7 +1841,106 @@
       </p:sp>
       <p:sp>
         <p:nvSpPr>
+          <p:cNvPr id="97" name="Google Shape;97;g30a6bbba716_0_49:notes"/>
+          <p:cNvSpPr txBox="1"/>
+          <p:nvPr>
+            <p:ph idx="1" type="body"/>
+          </p:nvPr>
+        </p:nvSpPr>
+        <p:spPr>
+          <a:xfrm>
+            <a:off x="685800" y="4343400"/>
+            <a:ext cx="5486400" cy="4114800"/>
+          </a:xfrm>
+          <a:prstGeom prst="rect">
+            <a:avLst/>
+          </a:prstGeom>
+        </p:spPr>
+        <p:txBody>
+          <a:bodyPr anchorCtr="0" anchor="t" bIns="91425" lIns="91425" spcFirstLastPara="1" rIns="91425" wrap="square" tIns="91425">
+            <a:noAutofit/>
+          </a:bodyPr>
+          <a:lstStyle/>
+          <a:p>
+            <a:pPr indent="0" lvl="0" marL="0" rtl="0" algn="l">
+              <a:spcBef>
+                <a:spcPts val="0"/>
+              </a:spcBef>
+              <a:spcAft>
+                <a:spcPts val="0"/>
+              </a:spcAft>
+              <a:buNone/>
+            </a:pPr>
+            <a:r>
+              <a:t/>
+            </a:r>
+            <a:endParaRPr/>
+          </a:p>
+        </p:txBody>
+      </p:sp>
+    </p:spTree>
+  </p:cSld>
+  <p:clrMapOvr>
+    <a:masterClrMapping/>
+  </p:clrMapOvr>
+</p:notes>
+</file>
+
+<file path=ppt/notesSlides/notesSlide9.xml><?xml version="1.0" encoding="utf-8"?>
+<p:notes xmlns:a="http://schemas.openxmlformats.org/drawingml/2006/main" xmlns:r="http://schemas.openxmlformats.org/officeDocument/2006/relationships" xmlns:mc="http://schemas.openxmlformats.org/markup-compatibility/2006" xmlns:mv="urn:schemas-microsoft-com:mac:vml" xmlns:p="http://schemas.openxmlformats.org/presentationml/2006/main" xmlns:c="http://schemas.openxmlformats.org/drawingml/2006/chart" xmlns:dgm="http://schemas.openxmlformats.org/drawingml/2006/diagram" xmlns:o="urn:schemas-microsoft-com:office:office" xmlns:v="urn:schemas-microsoft-com:vml" xmlns:pvml="urn:schemas-microsoft-com:office:powerpoint" xmlns:com="http://schemas.openxmlformats.org/drawingml/2006/compatibility" xmlns:p14="http://schemas.microsoft.com/office/powerpoint/2010/main" xmlns:p15="http://schemas.microsoft.com/office/powerpoint/2012/main" xmlns:ahyp="http://schemas.microsoft.com/office/drawing/2018/hyperlinkcolor" showMasterPhAnim="0" showMasterSp="0">
+  <p:cSld>
+    <p:spTree>
+      <p:nvGrpSpPr>
+        <p:cNvPr id="104" name="Shape 104"/>
+        <p:cNvGrpSpPr/>
+        <p:nvPr/>
+      </p:nvGrpSpPr>
+      <p:grpSpPr>
+        <a:xfrm>
+          <a:off x="0" y="0"/>
+          <a:ext cx="0" cy="0"/>
+          <a:chOff x="0" y="0"/>
+          <a:chExt cx="0" cy="0"/>
+        </a:xfrm>
+      </p:grpSpPr>
+      <p:sp>
+        <p:nvSpPr>
           <p:cNvPr id="105" name="Google Shape;105;g30a6bbba716_0_55:notes"/>
+          <p:cNvSpPr/>
+          <p:nvPr>
+            <p:ph idx="2" type="sldImg"/>
+          </p:nvPr>
+        </p:nvSpPr>
+        <p:spPr>
+          <a:xfrm>
+            <a:off x="381300" y="685800"/>
+            <a:ext cx="6096000" cy="3429000"/>
+          </a:xfrm>
+          <a:custGeom>
+            <a:rect b="b" l="l" r="r" t="t"/>
+            <a:pathLst>
+              <a:path extrusionOk="0" h="120000" w="120000">
+                <a:moveTo>
+                  <a:pt x="0" y="0"/>
+                </a:moveTo>
+                <a:lnTo>
+                  <a:pt x="120000" y="0"/>
+                </a:lnTo>
+                <a:lnTo>
+                  <a:pt x="120000" y="120000"/>
+                </a:lnTo>
+                <a:lnTo>
+                  <a:pt x="0" y="120000"/>
+                </a:lnTo>
+                <a:close/>
+              </a:path>
+            </a:pathLst>
+          </a:custGeom>
+        </p:spPr>
+      </p:sp>
+      <p:sp>
+        <p:nvSpPr>
+          <p:cNvPr id="106" name="Google Shape;106;g30a6bbba716_0_55:notes"/>
           <p:cNvSpPr txBox="1"/>
           <p:nvPr>
             <p:ph idx="1" type="body"/>
@@ -6551,72 +6651,109 @@
           <a:chExt cx="0" cy="0"/>
         </a:xfrm>
       </p:grpSpPr>
-      <p:pic>
-        <p:nvPicPr>
+      <p:grpSp>
+        <p:nvGrpSpPr>
           <p:cNvPr id="54" name="Google Shape;54;p13"/>
-          <p:cNvPicPr preferRelativeResize="0"/>
+          <p:cNvGrpSpPr/>
           <p:nvPr/>
-        </p:nvPicPr>
-        <p:blipFill>
-          <a:blip r:embed="rId3">
-            <a:alphaModFix/>
-          </a:blip>
-          <a:stretch>
-            <a:fillRect/>
-          </a:stretch>
-        </p:blipFill>
-        <p:spPr>
+        </p:nvGrpSpPr>
+        <p:grpSpPr>
           <a:xfrm>
-            <a:off x="0" y="0"/>
-            <a:ext cx="9144003" cy="5143500"/>
+            <a:off x="0" y="279576"/>
+            <a:ext cx="9143999" cy="4584336"/>
+            <a:chOff x="0" y="559163"/>
+            <a:chExt cx="9143999" cy="4584336"/>
           </a:xfrm>
-          <a:prstGeom prst="rect">
-            <a:avLst/>
-          </a:prstGeom>
-          <a:noFill/>
-          <a:ln>
+        </p:grpSpPr>
+        <p:pic>
+          <p:nvPicPr>
+            <p:cNvPr id="55" name="Google Shape;55;p13" title="Screenshot from 2025-03-28 06-06-46.png"/>
+            <p:cNvPicPr preferRelativeResize="0"/>
+            <p:nvPr/>
+          </p:nvPicPr>
+          <p:blipFill>
+            <a:blip r:embed="rId3">
+              <a:alphaModFix/>
+            </a:blip>
+            <a:stretch>
+              <a:fillRect/>
+            </a:stretch>
+          </p:blipFill>
+          <p:spPr>
+            <a:xfrm>
+              <a:off x="0" y="559163"/>
+              <a:ext cx="9143999" cy="4584336"/>
+            </a:xfrm>
+            <a:prstGeom prst="rect">
+              <a:avLst/>
+            </a:prstGeom>
             <a:noFill/>
-          </a:ln>
-        </p:spPr>
-      </p:pic>
-      <p:sp>
-        <p:nvSpPr>
-          <p:cNvPr id="55" name="Google Shape;55;p13"/>
-          <p:cNvSpPr/>
-          <p:nvPr/>
-        </p:nvSpPr>
-        <p:spPr>
-          <a:xfrm>
-            <a:off x="1145850" y="270375"/>
-            <a:ext cx="3386100" cy="141600"/>
-          </a:xfrm>
-          <a:prstGeom prst="rect">
-            <a:avLst/>
-          </a:prstGeom>
-          <a:solidFill>
-            <a:srgbClr val="282828"/>
-          </a:solidFill>
-          <a:ln>
-            <a:noFill/>
-          </a:ln>
-        </p:spPr>
-        <p:txBody>
-          <a:bodyPr anchorCtr="0" anchor="ctr" bIns="91425" lIns="91425" spcFirstLastPara="1" rIns="91425" wrap="square" tIns="91425">
-            <a:noAutofit/>
-          </a:bodyPr>
-          <a:lstStyle/>
-          <a:p>
-            <a:pPr indent="0" lvl="0" marL="0" rtl="0" algn="l">
-              <a:spcBef>
-                <a:spcPts val="0"/>
-              </a:spcBef>
-              <a:spcAft>
-                <a:spcPts val="0"/>
-              </a:spcAft>
-              <a:buNone/>
-            </a:pPr>
-            <a:r>
-              <a:rPr b="1" lang="en" sz="1000">
+            <a:ln>
+              <a:noFill/>
+            </a:ln>
+          </p:spPr>
+        </p:pic>
+        <p:sp>
+          <p:nvSpPr>
+            <p:cNvPr id="56" name="Google Shape;56;p13"/>
+            <p:cNvSpPr/>
+            <p:nvPr/>
+          </p:nvSpPr>
+          <p:spPr>
+            <a:xfrm>
+              <a:off x="931550" y="826250"/>
+              <a:ext cx="3386100" cy="141600"/>
+            </a:xfrm>
+            <a:prstGeom prst="rect">
+              <a:avLst/>
+            </a:prstGeom>
+            <a:solidFill>
+              <a:srgbClr val="282828"/>
+            </a:solidFill>
+            <a:ln>
+              <a:noFill/>
+            </a:ln>
+          </p:spPr>
+          <p:txBody>
+            <a:bodyPr anchorCtr="0" anchor="ctr" bIns="91425" lIns="91425" spcFirstLastPara="1" rIns="91425" wrap="square" tIns="91425">
+              <a:noAutofit/>
+            </a:bodyPr>
+            <a:lstStyle/>
+            <a:p>
+              <a:pPr indent="0" lvl="0" marL="0" rtl="0" algn="l">
+                <a:spcBef>
+                  <a:spcPts val="0"/>
+                </a:spcBef>
+                <a:spcAft>
+                  <a:spcPts val="0"/>
+                </a:spcAft>
+                <a:buNone/>
+              </a:pPr>
+              <a:r>
+                <a:rPr b="1" lang="en" sz="1000">
+                  <a:solidFill>
+                    <a:schemeClr val="lt1"/>
+                  </a:solidFill>
+                  <a:latin typeface="Times New Roman"/>
+                  <a:ea typeface="Times New Roman"/>
+                  <a:cs typeface="Times New Roman"/>
+                  <a:sym typeface="Times New Roman"/>
+                </a:rPr>
+                <a:t>w</a:t>
+              </a:r>
+              <a:r>
+                <a:rPr b="1" lang="en" sz="1000">
+                  <a:solidFill>
+                    <a:schemeClr val="lt1"/>
+                  </a:solidFill>
+                  <a:latin typeface="Times New Roman"/>
+                  <a:ea typeface="Times New Roman"/>
+                  <a:cs typeface="Times New Roman"/>
+                  <a:sym typeface="Times New Roman"/>
+                </a:rPr>
+                <a:t>eeks [6-7] ∪ [9-11]</a:t>
+              </a:r>
+              <a:endParaRPr b="1" sz="1000">
                 <a:solidFill>
                   <a:schemeClr val="lt1"/>
                 </a:solidFill>
@@ -6624,33 +6761,11 @@
                 <a:ea typeface="Times New Roman"/>
                 <a:cs typeface="Times New Roman"/>
                 <a:sym typeface="Times New Roman"/>
-              </a:rPr>
-              <a:t>w</a:t>
-            </a:r>
-            <a:r>
-              <a:rPr b="1" lang="en" sz="1000">
-                <a:solidFill>
-                  <a:schemeClr val="lt1"/>
-                </a:solidFill>
-                <a:latin typeface="Times New Roman"/>
-                <a:ea typeface="Times New Roman"/>
-                <a:cs typeface="Times New Roman"/>
-                <a:sym typeface="Times New Roman"/>
-              </a:rPr>
-              <a:t>eeks [6-7] ∪ [9-11]</a:t>
-            </a:r>
-            <a:endParaRPr b="1" sz="1000">
-              <a:solidFill>
-                <a:schemeClr val="lt1"/>
-              </a:solidFill>
-              <a:latin typeface="Times New Roman"/>
-              <a:ea typeface="Times New Roman"/>
-              <a:cs typeface="Times New Roman"/>
-              <a:sym typeface="Times New Roman"/>
-            </a:endParaRPr>
-          </a:p>
-        </p:txBody>
-      </p:sp>
+              </a:endParaRPr>
+            </a:p>
+          </p:txBody>
+        </p:sp>
+      </p:grpSp>
     </p:spTree>
   </p:cSld>
   <p:clrMapOvr>
@@ -6664,7 +6779,7 @@
   <p:cSld>
     <p:spTree>
       <p:nvGrpSpPr>
-        <p:cNvPr id="112" name="Shape 112"/>
+        <p:cNvPr id="113" name="Shape 113"/>
         <p:cNvGrpSpPr/>
         <p:nvPr/>
       </p:nvGrpSpPr>
@@ -6678,7 +6793,7 @@
       </p:grpSpPr>
       <p:sp>
         <p:nvSpPr>
-          <p:cNvPr id="113" name="Google Shape;113;p22"/>
+          <p:cNvPr id="114" name="Google Shape;114;p22"/>
           <p:cNvSpPr txBox="1"/>
           <p:nvPr>
             <p:ph type="title"/>
@@ -6737,7 +6852,7 @@
       </p:sp>
       <p:sp>
         <p:nvSpPr>
-          <p:cNvPr id="114" name="Google Shape;114;p22"/>
+          <p:cNvPr id="115" name="Google Shape;115;p22"/>
           <p:cNvSpPr txBox="1"/>
           <p:nvPr>
             <p:ph idx="1" type="body"/>
@@ -6805,7 +6920,7 @@
       </p:sp>
       <p:pic>
         <p:nvPicPr>
-          <p:cNvPr id="115" name="Google Shape;115;p22"/>
+          <p:cNvPr id="116" name="Google Shape;116;p22"/>
           <p:cNvPicPr preferRelativeResize="0"/>
           <p:nvPr/>
         </p:nvPicPr>
@@ -6833,7 +6948,7 @@
       </p:pic>
       <p:sp>
         <p:nvSpPr>
-          <p:cNvPr id="116" name="Google Shape;116;p22"/>
+          <p:cNvPr id="117" name="Google Shape;117;p22"/>
           <p:cNvSpPr txBox="1"/>
           <p:nvPr/>
         </p:nvSpPr>
@@ -7094,7 +7209,7 @@
   <p:cSld>
     <p:spTree>
       <p:nvGrpSpPr>
-        <p:cNvPr id="120" name="Shape 120"/>
+        <p:cNvPr id="121" name="Shape 121"/>
         <p:cNvGrpSpPr/>
         <p:nvPr/>
       </p:nvGrpSpPr>
@@ -7108,7 +7223,7 @@
       </p:grpSpPr>
       <p:sp>
         <p:nvSpPr>
-          <p:cNvPr id="121" name="Google Shape;121;p23"/>
+          <p:cNvPr id="122" name="Google Shape;122;p23"/>
           <p:cNvSpPr txBox="1"/>
           <p:nvPr>
             <p:ph type="title"/>
@@ -7161,7 +7276,7 @@
       </p:sp>
       <p:sp>
         <p:nvSpPr>
-          <p:cNvPr id="122" name="Google Shape;122;p23"/>
+          <p:cNvPr id="123" name="Google Shape;123;p23"/>
           <p:cNvSpPr txBox="1"/>
           <p:nvPr>
             <p:ph idx="1" type="body"/>
@@ -7381,7 +7496,7 @@
   <p:cSld>
     <p:spTree>
       <p:nvGrpSpPr>
-        <p:cNvPr id="126" name="Shape 126"/>
+        <p:cNvPr id="127" name="Shape 127"/>
         <p:cNvGrpSpPr/>
         <p:nvPr/>
       </p:nvGrpSpPr>
@@ -7395,7 +7510,7 @@
       </p:grpSpPr>
       <p:sp>
         <p:nvSpPr>
-          <p:cNvPr id="127" name="Google Shape;127;p24"/>
+          <p:cNvPr id="128" name="Google Shape;128;p24"/>
           <p:cNvSpPr txBox="1"/>
           <p:nvPr>
             <p:ph type="title"/>
@@ -7445,7 +7560,7 @@
       </p:sp>
       <p:sp>
         <p:nvSpPr>
-          <p:cNvPr id="128" name="Google Shape;128;p24"/>
+          <p:cNvPr id="129" name="Google Shape;129;p24"/>
           <p:cNvSpPr txBox="1"/>
           <p:nvPr>
             <p:ph idx="1" type="body"/>
@@ -7774,6 +7889,126 @@
               <a:t>provided by the event listeners</a:t>
             </a:r>
             <a:endParaRPr sz="2400">
+              <a:solidFill>
+                <a:schemeClr val="dk1"/>
+              </a:solidFill>
+              <a:latin typeface="Times New Roman"/>
+              <a:ea typeface="Times New Roman"/>
+              <a:cs typeface="Times New Roman"/>
+              <a:sym typeface="Times New Roman"/>
+            </a:endParaRPr>
+          </a:p>
+        </p:txBody>
+      </p:sp>
+    </p:spTree>
+  </p:cSld>
+  <p:clrMapOvr>
+    <a:masterClrMapping/>
+  </p:clrMapOvr>
+</p:sld>
+</file>
+
+<file path=ppt/slides/slide13.xml><?xml version="1.0" encoding="utf-8"?>
+<p:sld xmlns:a="http://schemas.openxmlformats.org/drawingml/2006/main" xmlns:r="http://schemas.openxmlformats.org/officeDocument/2006/relationships" xmlns:mc="http://schemas.openxmlformats.org/markup-compatibility/2006" xmlns:mv="urn:schemas-microsoft-com:mac:vml" xmlns:p="http://schemas.openxmlformats.org/presentationml/2006/main" xmlns:c="http://schemas.openxmlformats.org/drawingml/2006/chart" xmlns:dgm="http://schemas.openxmlformats.org/drawingml/2006/diagram" xmlns:o="urn:schemas-microsoft-com:office:office" xmlns:v="urn:schemas-microsoft-com:vml" xmlns:pvml="urn:schemas-microsoft-com:office:powerpoint" xmlns:com="http://schemas.openxmlformats.org/drawingml/2006/compatibility" xmlns:p14="http://schemas.microsoft.com/office/powerpoint/2010/main" xmlns:p15="http://schemas.microsoft.com/office/powerpoint/2012/main" xmlns:ahyp="http://schemas.microsoft.com/office/drawing/2018/hyperlinkcolor">
+  <p:cSld>
+    <p:spTree>
+      <p:nvGrpSpPr>
+        <p:cNvPr id="133" name="Shape 133"/>
+        <p:cNvGrpSpPr/>
+        <p:nvPr/>
+      </p:nvGrpSpPr>
+      <p:grpSpPr>
+        <a:xfrm>
+          <a:off x="0" y="0"/>
+          <a:ext cx="0" cy="0"/>
+          <a:chOff x="0" y="0"/>
+          <a:chExt cx="0" cy="0"/>
+        </a:xfrm>
+      </p:grpSpPr>
+      <p:sp>
+        <p:nvSpPr>
+          <p:cNvPr id="134" name="Google Shape;134;p25"/>
+          <p:cNvSpPr txBox="1"/>
+          <p:nvPr>
+            <p:ph idx="1" type="body"/>
+          </p:nvPr>
+        </p:nvSpPr>
+        <p:spPr>
+          <a:xfrm>
+            <a:off x="0" y="0"/>
+            <a:ext cx="9144000" cy="5143500"/>
+          </a:xfrm>
+          <a:prstGeom prst="rect">
+            <a:avLst/>
+          </a:prstGeom>
+        </p:spPr>
+        <p:txBody>
+          <a:bodyPr anchorCtr="0" anchor="t" bIns="91425" lIns="91425" spcFirstLastPara="1" rIns="91425" wrap="square" tIns="91425">
+            <a:normAutofit/>
+          </a:bodyPr>
+          <a:lstStyle/>
+          <a:p>
+            <a:pPr indent="0" lvl="0" marL="0" rtl="0" algn="l">
+              <a:lnSpc>
+                <a:spcPct val="100000"/>
+              </a:lnSpc>
+              <a:spcBef>
+                <a:spcPts val="0"/>
+              </a:spcBef>
+              <a:spcAft>
+                <a:spcPts val="0"/>
+              </a:spcAft>
+              <a:buNone/>
+            </a:pPr>
+            <a:r>
+              <a:rPr lang="en">
+                <a:solidFill>
+                  <a:schemeClr val="dk1"/>
+                </a:solidFill>
+                <a:latin typeface="Times New Roman"/>
+                <a:ea typeface="Times New Roman"/>
+                <a:cs typeface="Times New Roman"/>
+                <a:sym typeface="Times New Roman"/>
+              </a:rPr>
+              <a:t>b</a:t>
+            </a:r>
+            <a:r>
+              <a:rPr lang="en">
+                <a:solidFill>
+                  <a:schemeClr val="dk1"/>
+                </a:solidFill>
+                <a:latin typeface="Times New Roman"/>
+                <a:ea typeface="Times New Roman"/>
+                <a:cs typeface="Times New Roman"/>
+                <a:sym typeface="Times New Roman"/>
+              </a:rPr>
+              <a:t>onus task: </a:t>
+            </a:r>
+            <a:r>
+              <a:rPr lang="en">
+                <a:solidFill>
+                  <a:schemeClr val="dk1"/>
+                </a:solidFill>
+                <a:latin typeface="Times New Roman"/>
+                <a:ea typeface="Times New Roman"/>
+                <a:cs typeface="Times New Roman"/>
+                <a:sym typeface="Times New Roman"/>
+              </a:rPr>
+              <a:t>c</a:t>
+            </a:r>
+            <a:r>
+              <a:rPr lang="en">
+                <a:solidFill>
+                  <a:schemeClr val="dk1"/>
+                </a:solidFill>
+                <a:latin typeface="Times New Roman"/>
+                <a:ea typeface="Times New Roman"/>
+                <a:cs typeface="Times New Roman"/>
+                <a:sym typeface="Times New Roman"/>
+              </a:rPr>
+              <a:t>reate GitHub accounts</a:t>
+            </a:r>
+            <a:endParaRPr>
               <a:solidFill>
                 <a:schemeClr val="dk1"/>
               </a:solidFill>
@@ -7798,7 +8033,7 @@
   <p:cSld>
     <p:spTree>
       <p:nvGrpSpPr>
-        <p:cNvPr id="59" name="Shape 59"/>
+        <p:cNvPr id="60" name="Shape 60"/>
         <p:cNvGrpSpPr/>
         <p:nvPr/>
       </p:nvGrpSpPr>
@@ -7812,7 +8047,7 @@
       </p:grpSpPr>
       <p:sp>
         <p:nvSpPr>
-          <p:cNvPr id="60" name="Google Shape;60;p14"/>
+          <p:cNvPr id="61" name="Google Shape;61;p14"/>
           <p:cNvSpPr txBox="1"/>
           <p:nvPr>
             <p:ph type="title"/>
@@ -7862,7 +8097,7 @@
       </p:sp>
       <p:sp>
         <p:nvSpPr>
-          <p:cNvPr id="61" name="Google Shape;61;p14"/>
+          <p:cNvPr id="62" name="Google Shape;62;p14"/>
           <p:cNvSpPr txBox="1"/>
           <p:nvPr>
             <p:ph idx="1" type="body"/>
@@ -8040,7 +8275,7 @@
   <p:cSld>
     <p:spTree>
       <p:nvGrpSpPr>
-        <p:cNvPr id="65" name="Shape 65"/>
+        <p:cNvPr id="66" name="Shape 66"/>
         <p:cNvGrpSpPr/>
         <p:nvPr/>
       </p:nvGrpSpPr>
@@ -8054,7 +8289,7 @@
       </p:grpSpPr>
       <p:sp>
         <p:nvSpPr>
-          <p:cNvPr id="66" name="Google Shape;66;p15"/>
+          <p:cNvPr id="67" name="Google Shape;67;p15"/>
           <p:cNvSpPr txBox="1"/>
           <p:nvPr>
             <p:ph type="title"/>
@@ -8104,7 +8339,7 @@
       </p:sp>
       <p:sp>
         <p:nvSpPr>
-          <p:cNvPr id="67" name="Google Shape;67;p15"/>
+          <p:cNvPr id="68" name="Google Shape;68;p15"/>
           <p:cNvSpPr txBox="1"/>
           <p:nvPr>
             <p:ph idx="1" type="body"/>
@@ -8474,7 +8709,7 @@
   <p:cSld>
     <p:spTree>
       <p:nvGrpSpPr>
-        <p:cNvPr id="71" name="Shape 71"/>
+        <p:cNvPr id="72" name="Shape 72"/>
         <p:cNvGrpSpPr/>
         <p:nvPr/>
       </p:nvGrpSpPr>
@@ -8488,7 +8723,7 @@
       </p:grpSpPr>
       <p:sp>
         <p:nvSpPr>
-          <p:cNvPr id="72" name="Google Shape;72;p16"/>
+          <p:cNvPr id="73" name="Google Shape;73;p16"/>
           <p:cNvSpPr txBox="1"/>
           <p:nvPr>
             <p:ph type="title"/>
@@ -8538,7 +8773,7 @@
       </p:sp>
       <p:sp>
         <p:nvSpPr>
-          <p:cNvPr id="73" name="Google Shape;73;p16"/>
+          <p:cNvPr id="74" name="Google Shape;74;p16"/>
           <p:cNvSpPr txBox="1"/>
           <p:nvPr>
             <p:ph idx="1" type="body"/>
@@ -8860,7 +9095,7 @@
   <p:cSld>
     <p:spTree>
       <p:nvGrpSpPr>
-        <p:cNvPr id="77" name="Shape 77"/>
+        <p:cNvPr id="78" name="Shape 78"/>
         <p:cNvGrpSpPr/>
         <p:nvPr/>
       </p:nvGrpSpPr>
@@ -8874,7 +9109,7 @@
       </p:grpSpPr>
       <p:sp>
         <p:nvSpPr>
-          <p:cNvPr id="78" name="Google Shape;78;p17"/>
+          <p:cNvPr id="79" name="Google Shape;79;p17"/>
           <p:cNvSpPr txBox="1"/>
           <p:nvPr>
             <p:ph type="title"/>
@@ -8924,7 +9159,7 @@
       </p:sp>
       <p:sp>
         <p:nvSpPr>
-          <p:cNvPr id="79" name="Google Shape;79;p17"/>
+          <p:cNvPr id="80" name="Google Shape;80;p17"/>
           <p:cNvSpPr txBox="1"/>
           <p:nvPr>
             <p:ph idx="1" type="body"/>
@@ -9156,7 +9391,7 @@
       </p:sp>
       <p:sp>
         <p:nvSpPr>
-          <p:cNvPr id="80" name="Google Shape;80;p17"/>
+          <p:cNvPr id="81" name="Google Shape;81;p17"/>
           <p:cNvSpPr txBox="1"/>
           <p:nvPr/>
         </p:nvSpPr>
@@ -9280,7 +9515,7 @@
   <p:cSld>
     <p:spTree>
       <p:nvGrpSpPr>
-        <p:cNvPr id="84" name="Shape 84"/>
+        <p:cNvPr id="85" name="Shape 85"/>
         <p:cNvGrpSpPr/>
         <p:nvPr/>
       </p:nvGrpSpPr>
@@ -9294,7 +9529,7 @@
       </p:grpSpPr>
       <p:sp>
         <p:nvSpPr>
-          <p:cNvPr id="85" name="Google Shape;85;p18"/>
+          <p:cNvPr id="86" name="Google Shape;86;p18"/>
           <p:cNvSpPr txBox="1"/>
           <p:nvPr>
             <p:ph type="title"/>
@@ -9353,7 +9588,7 @@
       </p:sp>
       <p:sp>
         <p:nvSpPr>
-          <p:cNvPr id="86" name="Google Shape;86;p18"/>
+          <p:cNvPr id="87" name="Google Shape;87;p18"/>
           <p:cNvSpPr txBox="1"/>
           <p:nvPr>
             <p:ph idx="1" type="body"/>
@@ -9489,7 +9724,7 @@
       </p:sp>
       <p:sp>
         <p:nvSpPr>
-          <p:cNvPr id="87" name="Google Shape;87;p18"/>
+          <p:cNvPr id="88" name="Google Shape;88;p18"/>
           <p:cNvSpPr txBox="1"/>
           <p:nvPr/>
         </p:nvSpPr>
@@ -9596,7 +9831,7 @@
   <p:cSld>
     <p:spTree>
       <p:nvGrpSpPr>
-        <p:cNvPr id="91" name="Shape 91"/>
+        <p:cNvPr id="92" name="Shape 92"/>
         <p:cNvGrpSpPr/>
         <p:nvPr/>
       </p:nvGrpSpPr>
@@ -9610,7 +9845,7 @@
       </p:grpSpPr>
       <p:sp>
         <p:nvSpPr>
-          <p:cNvPr id="92" name="Google Shape;92;p19"/>
+          <p:cNvPr id="93" name="Google Shape;93;p19"/>
           <p:cNvSpPr txBox="1"/>
           <p:nvPr>
             <p:ph type="title"/>
@@ -9660,7 +9895,7 @@
       </p:sp>
       <p:sp>
         <p:nvSpPr>
-          <p:cNvPr id="93" name="Google Shape;93;p19"/>
+          <p:cNvPr id="94" name="Google Shape;94;p19"/>
           <p:cNvSpPr txBox="1"/>
           <p:nvPr>
             <p:ph idx="1" type="body"/>
@@ -9969,7 +10204,7 @@
   <p:cSld>
     <p:spTree>
       <p:nvGrpSpPr>
-        <p:cNvPr id="97" name="Shape 97"/>
+        <p:cNvPr id="98" name="Shape 98"/>
         <p:cNvGrpSpPr/>
         <p:nvPr/>
       </p:nvGrpSpPr>
@@ -9983,7 +10218,7 @@
       </p:grpSpPr>
       <p:sp>
         <p:nvSpPr>
-          <p:cNvPr id="98" name="Google Shape;98;p20"/>
+          <p:cNvPr id="99" name="Google Shape;99;p20"/>
           <p:cNvSpPr txBox="1"/>
           <p:nvPr>
             <p:ph type="title"/>
@@ -10033,7 +10268,7 @@
       </p:sp>
       <p:sp>
         <p:nvSpPr>
-          <p:cNvPr id="99" name="Google Shape;99;p20"/>
+          <p:cNvPr id="100" name="Google Shape;100;p20"/>
           <p:cNvSpPr txBox="1"/>
           <p:nvPr>
             <p:ph idx="1" type="body"/>
@@ -10521,7 +10756,7 @@
       </p:sp>
       <p:sp>
         <p:nvSpPr>
-          <p:cNvPr id="100" name="Google Shape;100;p20"/>
+          <p:cNvPr id="101" name="Google Shape;101;p20"/>
           <p:cNvSpPr txBox="1"/>
           <p:nvPr/>
         </p:nvSpPr>
@@ -10617,7 +10852,7 @@
       </p:sp>
       <p:cxnSp>
         <p:nvCxnSpPr>
-          <p:cNvPr id="101" name="Google Shape;101;p20"/>
+          <p:cNvPr id="102" name="Google Shape;102;p20"/>
           <p:cNvCxnSpPr/>
           <p:nvPr/>
         </p:nvCxnSpPr>
@@ -10643,7 +10878,7 @@
       </p:cxnSp>
       <p:cxnSp>
         <p:nvCxnSpPr>
-          <p:cNvPr id="102" name="Google Shape;102;p20"/>
+          <p:cNvPr id="103" name="Google Shape;103;p20"/>
           <p:cNvCxnSpPr/>
           <p:nvPr/>
         </p:nvCxnSpPr>
@@ -10680,7 +10915,7 @@
   <p:cSld>
     <p:spTree>
       <p:nvGrpSpPr>
-        <p:cNvPr id="106" name="Shape 106"/>
+        <p:cNvPr id="107" name="Shape 107"/>
         <p:cNvGrpSpPr/>
         <p:nvPr/>
       </p:nvGrpSpPr>
@@ -10694,7 +10929,7 @@
       </p:grpSpPr>
       <p:sp>
         <p:nvSpPr>
-          <p:cNvPr id="107" name="Google Shape;107;p21"/>
+          <p:cNvPr id="108" name="Google Shape;108;p21"/>
           <p:cNvSpPr txBox="1"/>
           <p:nvPr>
             <p:ph type="title"/>
@@ -10752,7 +10987,7 @@
       </p:sp>
       <p:sp>
         <p:nvSpPr>
-          <p:cNvPr id="108" name="Google Shape;108;p21"/>
+          <p:cNvPr id="109" name="Google Shape;109;p21"/>
           <p:cNvSpPr txBox="1"/>
           <p:nvPr>
             <p:ph idx="1" type="body"/>
@@ -11033,6 +11268,285 @@
 </file>
 
 <file path=ppt/theme/theme1.xml><?xml version="1.0" encoding="utf-8"?>
+<a:theme xmlns:a="http://schemas.openxmlformats.org/drawingml/2006/main" xmlns:r="http://schemas.openxmlformats.org/officeDocument/2006/relationships">
+  <a:themeElements>
+    <a:clrScheme name="Default">
+      <a:dk1>
+        <a:srgbClr val="000000"/>
+      </a:dk1>
+      <a:lt1>
+        <a:srgbClr val="FFFFFF"/>
+      </a:lt1>
+      <a:dk2>
+        <a:srgbClr val="158158"/>
+      </a:dk2>
+      <a:lt2>
+        <a:srgbClr val="F3F3F3"/>
+      </a:lt2>
+      <a:accent1>
+        <a:srgbClr val="058DC7"/>
+      </a:accent1>
+      <a:accent2>
+        <a:srgbClr val="50B432"/>
+      </a:accent2>
+      <a:accent3>
+        <a:srgbClr val="ED561B"/>
+      </a:accent3>
+      <a:accent4>
+        <a:srgbClr val="EDEF00"/>
+      </a:accent4>
+      <a:accent5>
+        <a:srgbClr val="24CBE5"/>
+      </a:accent5>
+      <a:accent6>
+        <a:srgbClr val="64E572"/>
+      </a:accent6>
+      <a:hlink>
+        <a:srgbClr val="2200CC"/>
+      </a:hlink>
+      <a:folHlink>
+        <a:srgbClr val="551A8B"/>
+      </a:folHlink>
+    </a:clrScheme>
+    <a:fontScheme name="Office">
+      <a:majorFont>
+        <a:latin typeface="Arial"/>
+        <a:ea typeface=""/>
+        <a:cs typeface=""/>
+        <a:font script="Jpan" typeface="ＭＳ Ｐゴシック"/>
+        <a:font script="Hang" typeface="맑은 고딕"/>
+        <a:font script="Hans" typeface="宋体"/>
+        <a:font script="Hant" typeface="新細明體"/>
+        <a:font script="Arab" typeface="Times New Roman"/>
+        <a:font script="Hebr" typeface="Times New Roman"/>
+        <a:font script="Thai" typeface="Angsana New"/>
+        <a:font script="Ethi" typeface="Nyala"/>
+        <a:font script="Beng" typeface="Vrinda"/>
+        <a:font script="Gujr" typeface="Shruti"/>
+        <a:font script="Khmr" typeface="MoolBoran"/>
+        <a:font script="Knda" typeface="Tunga"/>
+        <a:font script="Guru" typeface="Raavi"/>
+        <a:font script="Cans" typeface="Euphemia"/>
+        <a:font script="Cher" typeface="Plantagenet Cherokee"/>
+        <a:font script="Yiii" typeface="Microsoft Yi Baiti"/>
+        <a:font script="Tibt" typeface="Microsoft Himalaya"/>
+        <a:font script="Thaa" typeface="MV Boli"/>
+        <a:font script="Deva" typeface="Mangal"/>
+        <a:font script="Telu" typeface="Gautami"/>
+        <a:font script="Taml" typeface="Latha"/>
+        <a:font script="Syrc" typeface="Estrangelo Edessa"/>
+        <a:font script="Orya" typeface="Kalinga"/>
+        <a:font script="Mlym" typeface="Kartika"/>
+        <a:font script="Laoo" typeface="DokChampa"/>
+        <a:font script="Sinh" typeface="Iskoola Pota"/>
+        <a:font script="Mong" typeface="Mongolian Baiti"/>
+        <a:font script="Viet" typeface="Times New Roman"/>
+        <a:font script="Uigh" typeface="Microsoft Uighur"/>
+        <a:font script="Geor" typeface="Sylfaen"/>
+      </a:majorFont>
+      <a:minorFont>
+        <a:latin typeface="Arial"/>
+        <a:ea typeface=""/>
+        <a:cs typeface=""/>
+        <a:font script="Jpan" typeface="ＭＳ Ｐゴシック"/>
+        <a:font script="Hang" typeface="맑은 고딕"/>
+        <a:font script="Hans" typeface="宋体"/>
+        <a:font script="Hant" typeface="新細明體"/>
+        <a:font script="Arab" typeface="Arial"/>
+        <a:font script="Hebr" typeface="Arial"/>
+        <a:font script="Thai" typeface="Cordia New"/>
+        <a:font script="Ethi" typeface="Nyala"/>
+        <a:font script="Beng" typeface="Vrinda"/>
+        <a:font script="Gujr" typeface="Shruti"/>
+        <a:font script="Khmr" typeface="DaunPenh"/>
+        <a:font script="Knda" typeface="Tunga"/>
+        <a:font script="Guru" typeface="Raavi"/>
+        <a:font script="Cans" typeface="Euphemia"/>
+        <a:font script="Cher" typeface="Plantagenet Cherokee"/>
+        <a:font script="Yiii" typeface="Microsoft Yi Baiti"/>
+        <a:font script="Tibt" typeface="Microsoft Himalaya"/>
+        <a:font script="Thaa" typeface="MV Boli"/>
+        <a:font script="Deva" typeface="Mangal"/>
+        <a:font script="Telu" typeface="Gautami"/>
+        <a:font script="Taml" typeface="Latha"/>
+        <a:font script="Syrc" typeface="Estrangelo Edessa"/>
+        <a:font script="Orya" typeface="Kalinga"/>
+        <a:font script="Mlym" typeface="Kartika"/>
+        <a:font script="Laoo" typeface="DokChampa"/>
+        <a:font script="Sinh" typeface="Iskoola Pota"/>
+        <a:font script="Mong" typeface="Mongolian Baiti"/>
+        <a:font script="Viet" typeface="Arial"/>
+        <a:font script="Uigh" typeface="Microsoft Uighur"/>
+        <a:font script="Geor" typeface="Sylfaen"/>
+      </a:minorFont>
+    </a:fontScheme>
+    <a:fmtScheme name="Office">
+      <a:fillStyleLst>
+        <a:solidFill>
+          <a:schemeClr val="phClr"/>
+        </a:solidFill>
+        <a:gradFill rotWithShape="1">
+          <a:gsLst>
+            <a:gs pos="0">
+              <a:schemeClr val="phClr">
+                <a:tint val="50000"/>
+                <a:satMod val="300000"/>
+              </a:schemeClr>
+            </a:gs>
+            <a:gs pos="35000">
+              <a:schemeClr val="phClr">
+                <a:tint val="37000"/>
+                <a:satMod val="300000"/>
+              </a:schemeClr>
+            </a:gs>
+            <a:gs pos="100000">
+              <a:schemeClr val="phClr">
+                <a:tint val="15000"/>
+                <a:satMod val="350000"/>
+              </a:schemeClr>
+            </a:gs>
+          </a:gsLst>
+          <a:lin ang="16200000" scaled="1"/>
+        </a:gradFill>
+        <a:gradFill rotWithShape="1">
+          <a:gsLst>
+            <a:gs pos="0">
+              <a:schemeClr val="phClr">
+                <a:tint val="100000"/>
+                <a:shade val="100000"/>
+                <a:satMod val="130000"/>
+              </a:schemeClr>
+            </a:gs>
+            <a:gs pos="100000">
+              <a:schemeClr val="phClr">
+                <a:tint val="50000"/>
+                <a:shade val="100000"/>
+                <a:satMod val="350000"/>
+              </a:schemeClr>
+            </a:gs>
+          </a:gsLst>
+          <a:lin ang="16200000" scaled="0"/>
+        </a:gradFill>
+      </a:fillStyleLst>
+      <a:lnStyleLst>
+        <a:ln w="9525" cap="flat" cmpd="sng" algn="ctr">
+          <a:solidFill>
+            <a:schemeClr val="phClr">
+              <a:shade val="95000"/>
+              <a:satMod val="105000"/>
+            </a:schemeClr>
+          </a:solidFill>
+          <a:prstDash val="solid"/>
+        </a:ln>
+        <a:ln w="25400" cap="flat" cmpd="sng" algn="ctr">
+          <a:solidFill>
+            <a:schemeClr val="phClr"/>
+          </a:solidFill>
+          <a:prstDash val="solid"/>
+        </a:ln>
+        <a:ln w="38100" cap="flat" cmpd="sng" algn="ctr">
+          <a:solidFill>
+            <a:schemeClr val="phClr"/>
+          </a:solidFill>
+          <a:prstDash val="solid"/>
+        </a:ln>
+      </a:lnStyleLst>
+      <a:effectStyleLst>
+        <a:effectStyle>
+          <a:effectLst>
+            <a:outerShdw blurRad="40000" dist="20000" dir="5400000" rotWithShape="0">
+              <a:srgbClr val="000000">
+                <a:alpha val="38000"/>
+              </a:srgbClr>
+            </a:outerShdw>
+          </a:effectLst>
+        </a:effectStyle>
+        <a:effectStyle>
+          <a:effectLst>
+            <a:outerShdw blurRad="40000" dist="23000" dir="5400000" rotWithShape="0">
+              <a:srgbClr val="000000">
+                <a:alpha val="35000"/>
+              </a:srgbClr>
+            </a:outerShdw>
+          </a:effectLst>
+        </a:effectStyle>
+        <a:effectStyle>
+          <a:effectLst>
+            <a:outerShdw blurRad="40000" dist="23000" dir="5400000" rotWithShape="0">
+              <a:srgbClr val="000000">
+                <a:alpha val="35000"/>
+              </a:srgbClr>
+            </a:outerShdw>
+          </a:effectLst>
+          <a:scene3d>
+            <a:camera prst="orthographicFront">
+              <a:rot lat="0" lon="0" rev="0"/>
+            </a:camera>
+            <a:lightRig rig="threePt" dir="t">
+              <a:rot lat="0" lon="0" rev="1200000"/>
+            </a:lightRig>
+          </a:scene3d>
+          <a:sp3d>
+            <a:bevelT w="63500" h="25400"/>
+          </a:sp3d>
+        </a:effectStyle>
+      </a:effectStyleLst>
+      <a:bgFillStyleLst>
+        <a:solidFill>
+          <a:schemeClr val="phClr"/>
+        </a:solidFill>
+        <a:gradFill rotWithShape="1">
+          <a:gsLst>
+            <a:gs pos="0">
+              <a:schemeClr val="phClr">
+                <a:tint val="40000"/>
+                <a:satMod val="350000"/>
+              </a:schemeClr>
+            </a:gs>
+            <a:gs pos="40000">
+              <a:schemeClr val="phClr">
+                <a:tint val="45000"/>
+                <a:shade val="99000"/>
+                <a:satMod val="350000"/>
+              </a:schemeClr>
+            </a:gs>
+            <a:gs pos="100000">
+              <a:schemeClr val="phClr">
+                <a:shade val="20000"/>
+                <a:satMod val="255000"/>
+              </a:schemeClr>
+            </a:gs>
+          </a:gsLst>
+          <a:path path="circle">
+            <a:fillToRect l="50000" t="-80000" r="50000" b="180000"/>
+          </a:path>
+        </a:gradFill>
+        <a:gradFill rotWithShape="1">
+          <a:gsLst>
+            <a:gs pos="0">
+              <a:schemeClr val="phClr">
+                <a:tint val="80000"/>
+                <a:satMod val="300000"/>
+              </a:schemeClr>
+            </a:gs>
+            <a:gs pos="100000">
+              <a:schemeClr val="phClr">
+                <a:shade val="30000"/>
+                <a:satMod val="200000"/>
+              </a:schemeClr>
+            </a:gs>
+          </a:gsLst>
+          <a:path path="circle">
+            <a:fillToRect l="50000" t="50000" r="50000" b="50000"/>
+          </a:path>
+        </a:gradFill>
+      </a:bgFillStyleLst>
+    </a:fmtScheme>
+  </a:themeElements>
+</a:theme>
+</file>
+
+<file path=ppt/theme/theme2.xml><?xml version="1.0" encoding="utf-8"?>
 <a:theme xmlns:a="http://schemas.openxmlformats.org/drawingml/2006/main" xmlns:r="http://schemas.openxmlformats.org/officeDocument/2006/relationships" name="Simple Light">
   <a:themeElements>
     <a:clrScheme name="Simple Light">
@@ -11309,283 +11823,4 @@
     </a:fmtScheme>
   </a:themeElements>
 </a:theme>
-</file>
-
-<file path=ppt/theme/theme2.xml><?xml version="1.0" encoding="utf-8"?>
-<a:theme xmlns:a="http://schemas.openxmlformats.org/drawingml/2006/main" xmlns:r="http://schemas.openxmlformats.org/officeDocument/2006/relationships">
-  <a:themeElements>
-    <a:clrScheme name="Default">
-      <a:dk1>
-        <a:srgbClr val="000000"/>
-      </a:dk1>
-      <a:lt1>
-        <a:srgbClr val="FFFFFF"/>
-      </a:lt1>
-      <a:dk2>
-        <a:srgbClr val="158158"/>
-      </a:dk2>
-      <a:lt2>
-        <a:srgbClr val="F3F3F3"/>
-      </a:lt2>
-      <a:accent1>
-        <a:srgbClr val="058DC7"/>
-      </a:accent1>
-      <a:accent2>
-        <a:srgbClr val="50B432"/>
-      </a:accent2>
-      <a:accent3>
-        <a:srgbClr val="ED561B"/>
-      </a:accent3>
-      <a:accent4>
-        <a:srgbClr val="EDEF00"/>
-      </a:accent4>
-      <a:accent5>
-        <a:srgbClr val="24CBE5"/>
-      </a:accent5>
-      <a:accent6>
-        <a:srgbClr val="64E572"/>
-      </a:accent6>
-      <a:hlink>
-        <a:srgbClr val="2200CC"/>
-      </a:hlink>
-      <a:folHlink>
-        <a:srgbClr val="551A8B"/>
-      </a:folHlink>
-    </a:clrScheme>
-    <a:fontScheme name="Office">
-      <a:majorFont>
-        <a:latin typeface="Arial"/>
-        <a:ea typeface=""/>
-        <a:cs typeface=""/>
-        <a:font script="Jpan" typeface="ＭＳ Ｐゴシック"/>
-        <a:font script="Hang" typeface="맑은 고딕"/>
-        <a:font script="Hans" typeface="宋体"/>
-        <a:font script="Hant" typeface="新細明體"/>
-        <a:font script="Arab" typeface="Times New Roman"/>
-        <a:font script="Hebr" typeface="Times New Roman"/>
-        <a:font script="Thai" typeface="Angsana New"/>
-        <a:font script="Ethi" typeface="Nyala"/>
-        <a:font script="Beng" typeface="Vrinda"/>
-        <a:font script="Gujr" typeface="Shruti"/>
-        <a:font script="Khmr" typeface="MoolBoran"/>
-        <a:font script="Knda" typeface="Tunga"/>
-        <a:font script="Guru" typeface="Raavi"/>
-        <a:font script="Cans" typeface="Euphemia"/>
-        <a:font script="Cher" typeface="Plantagenet Cherokee"/>
-        <a:font script="Yiii" typeface="Microsoft Yi Baiti"/>
-        <a:font script="Tibt" typeface="Microsoft Himalaya"/>
-        <a:font script="Thaa" typeface="MV Boli"/>
-        <a:font script="Deva" typeface="Mangal"/>
-        <a:font script="Telu" typeface="Gautami"/>
-        <a:font script="Taml" typeface="Latha"/>
-        <a:font script="Syrc" typeface="Estrangelo Edessa"/>
-        <a:font script="Orya" typeface="Kalinga"/>
-        <a:font script="Mlym" typeface="Kartika"/>
-        <a:font script="Laoo" typeface="DokChampa"/>
-        <a:font script="Sinh" typeface="Iskoola Pota"/>
-        <a:font script="Mong" typeface="Mongolian Baiti"/>
-        <a:font script="Viet" typeface="Times New Roman"/>
-        <a:font script="Uigh" typeface="Microsoft Uighur"/>
-        <a:font script="Geor" typeface="Sylfaen"/>
-      </a:majorFont>
-      <a:minorFont>
-        <a:latin typeface="Arial"/>
-        <a:ea typeface=""/>
-        <a:cs typeface=""/>
-        <a:font script="Jpan" typeface="ＭＳ Ｐゴシック"/>
-        <a:font script="Hang" typeface="맑은 고딕"/>
-        <a:font script="Hans" typeface="宋体"/>
-        <a:font script="Hant" typeface="新細明體"/>
-        <a:font script="Arab" typeface="Arial"/>
-        <a:font script="Hebr" typeface="Arial"/>
-        <a:font script="Thai" typeface="Cordia New"/>
-        <a:font script="Ethi" typeface="Nyala"/>
-        <a:font script="Beng" typeface="Vrinda"/>
-        <a:font script="Gujr" typeface="Shruti"/>
-        <a:font script="Khmr" typeface="DaunPenh"/>
-        <a:font script="Knda" typeface="Tunga"/>
-        <a:font script="Guru" typeface="Raavi"/>
-        <a:font script="Cans" typeface="Euphemia"/>
-        <a:font script="Cher" typeface="Plantagenet Cherokee"/>
-        <a:font script="Yiii" typeface="Microsoft Yi Baiti"/>
-        <a:font script="Tibt" typeface="Microsoft Himalaya"/>
-        <a:font script="Thaa" typeface="MV Boli"/>
-        <a:font script="Deva" typeface="Mangal"/>
-        <a:font script="Telu" typeface="Gautami"/>
-        <a:font script="Taml" typeface="Latha"/>
-        <a:font script="Syrc" typeface="Estrangelo Edessa"/>
-        <a:font script="Orya" typeface="Kalinga"/>
-        <a:font script="Mlym" typeface="Kartika"/>
-        <a:font script="Laoo" typeface="DokChampa"/>
-        <a:font script="Sinh" typeface="Iskoola Pota"/>
-        <a:font script="Mong" typeface="Mongolian Baiti"/>
-        <a:font script="Viet" typeface="Arial"/>
-        <a:font script="Uigh" typeface="Microsoft Uighur"/>
-        <a:font script="Geor" typeface="Sylfaen"/>
-      </a:minorFont>
-    </a:fontScheme>
-    <a:fmtScheme name="Office">
-      <a:fillStyleLst>
-        <a:solidFill>
-          <a:schemeClr val="phClr"/>
-        </a:solidFill>
-        <a:gradFill rotWithShape="1">
-          <a:gsLst>
-            <a:gs pos="0">
-              <a:schemeClr val="phClr">
-                <a:tint val="50000"/>
-                <a:satMod val="300000"/>
-              </a:schemeClr>
-            </a:gs>
-            <a:gs pos="35000">
-              <a:schemeClr val="phClr">
-                <a:tint val="37000"/>
-                <a:satMod val="300000"/>
-              </a:schemeClr>
-            </a:gs>
-            <a:gs pos="100000">
-              <a:schemeClr val="phClr">
-                <a:tint val="15000"/>
-                <a:satMod val="350000"/>
-              </a:schemeClr>
-            </a:gs>
-          </a:gsLst>
-          <a:lin ang="16200000" scaled="1"/>
-        </a:gradFill>
-        <a:gradFill rotWithShape="1">
-          <a:gsLst>
-            <a:gs pos="0">
-              <a:schemeClr val="phClr">
-                <a:tint val="100000"/>
-                <a:shade val="100000"/>
-                <a:satMod val="130000"/>
-              </a:schemeClr>
-            </a:gs>
-            <a:gs pos="100000">
-              <a:schemeClr val="phClr">
-                <a:tint val="50000"/>
-                <a:shade val="100000"/>
-                <a:satMod val="350000"/>
-              </a:schemeClr>
-            </a:gs>
-          </a:gsLst>
-          <a:lin ang="16200000" scaled="0"/>
-        </a:gradFill>
-      </a:fillStyleLst>
-      <a:lnStyleLst>
-        <a:ln w="9525" cap="flat" cmpd="sng" algn="ctr">
-          <a:solidFill>
-            <a:schemeClr val="phClr">
-              <a:shade val="95000"/>
-              <a:satMod val="105000"/>
-            </a:schemeClr>
-          </a:solidFill>
-          <a:prstDash val="solid"/>
-        </a:ln>
-        <a:ln w="25400" cap="flat" cmpd="sng" algn="ctr">
-          <a:solidFill>
-            <a:schemeClr val="phClr"/>
-          </a:solidFill>
-          <a:prstDash val="solid"/>
-        </a:ln>
-        <a:ln w="38100" cap="flat" cmpd="sng" algn="ctr">
-          <a:solidFill>
-            <a:schemeClr val="phClr"/>
-          </a:solidFill>
-          <a:prstDash val="solid"/>
-        </a:ln>
-      </a:lnStyleLst>
-      <a:effectStyleLst>
-        <a:effectStyle>
-          <a:effectLst>
-            <a:outerShdw blurRad="40000" dist="20000" dir="5400000" rotWithShape="0">
-              <a:srgbClr val="000000">
-                <a:alpha val="38000"/>
-              </a:srgbClr>
-            </a:outerShdw>
-          </a:effectLst>
-        </a:effectStyle>
-        <a:effectStyle>
-          <a:effectLst>
-            <a:outerShdw blurRad="40000" dist="23000" dir="5400000" rotWithShape="0">
-              <a:srgbClr val="000000">
-                <a:alpha val="35000"/>
-              </a:srgbClr>
-            </a:outerShdw>
-          </a:effectLst>
-        </a:effectStyle>
-        <a:effectStyle>
-          <a:effectLst>
-            <a:outerShdw blurRad="40000" dist="23000" dir="5400000" rotWithShape="0">
-              <a:srgbClr val="000000">
-                <a:alpha val="35000"/>
-              </a:srgbClr>
-            </a:outerShdw>
-          </a:effectLst>
-          <a:scene3d>
-            <a:camera prst="orthographicFront">
-              <a:rot lat="0" lon="0" rev="0"/>
-            </a:camera>
-            <a:lightRig rig="threePt" dir="t">
-              <a:rot lat="0" lon="0" rev="1200000"/>
-            </a:lightRig>
-          </a:scene3d>
-          <a:sp3d>
-            <a:bevelT w="63500" h="25400"/>
-          </a:sp3d>
-        </a:effectStyle>
-      </a:effectStyleLst>
-      <a:bgFillStyleLst>
-        <a:solidFill>
-          <a:schemeClr val="phClr"/>
-        </a:solidFill>
-        <a:gradFill rotWithShape="1">
-          <a:gsLst>
-            <a:gs pos="0">
-              <a:schemeClr val="phClr">
-                <a:tint val="40000"/>
-                <a:satMod val="350000"/>
-              </a:schemeClr>
-            </a:gs>
-            <a:gs pos="40000">
-              <a:schemeClr val="phClr">
-                <a:tint val="45000"/>
-                <a:shade val="99000"/>
-                <a:satMod val="350000"/>
-              </a:schemeClr>
-            </a:gs>
-            <a:gs pos="100000">
-              <a:schemeClr val="phClr">
-                <a:shade val="20000"/>
-                <a:satMod val="255000"/>
-              </a:schemeClr>
-            </a:gs>
-          </a:gsLst>
-          <a:path path="circle">
-            <a:fillToRect l="50000" t="-80000" r="50000" b="180000"/>
-          </a:path>
-        </a:gradFill>
-        <a:gradFill rotWithShape="1">
-          <a:gsLst>
-            <a:gs pos="0">
-              <a:schemeClr val="phClr">
-                <a:tint val="80000"/>
-                <a:satMod val="300000"/>
-              </a:schemeClr>
-            </a:gs>
-            <a:gs pos="100000">
-              <a:schemeClr val="phClr">
-                <a:shade val="30000"/>
-                <a:satMod val="200000"/>
-              </a:schemeClr>
-            </a:gs>
-          </a:gsLst>
-          <a:path path="circle">
-            <a:fillToRect l="50000" t="50000" r="50000" b="50000"/>
-          </a:path>
-        </a:gradFill>
-      </a:bgFillStyleLst>
-    </a:fmtScheme>
-  </a:themeElements>
-</a:theme>
 </file>